--- a/templates/open-source-project-activities-and-maturity.pptx
+++ b/templates/open-source-project-activities-and-maturity.pptx
@@ -38942,8 +38942,8 @@
         </p:nvSpPr>
         <p:spPr>
           <a:xfrm>
-            <a:off x="1287700" y="1769725"/>
-            <a:ext cx="6678600" cy="2381400"/>
+            <a:off x="992750" y="1769725"/>
+            <a:ext cx="7167900" cy="2381400"/>
           </a:xfrm>
           <a:prstGeom prst="rect">
             <a:avLst/>
@@ -39169,26 +39169,6 @@
               <a:buNone/>
             </a:pPr>
             <a:r>
-              <a:t/>
-            </a:r>
-            <a:endParaRPr sz="1200">
-              <a:latin typeface="Montserrat"/>
-              <a:ea typeface="Montserrat"/>
-              <a:cs typeface="Montserrat"/>
-              <a:sym typeface="Montserrat"/>
-            </a:endParaRPr>
-          </a:p>
-          <a:p>
-            <a:pPr indent="0" lvl="0" marL="0" rtl="0" algn="l">
-              <a:spcBef>
-                <a:spcPts val="0"/>
-              </a:spcBef>
-              <a:spcAft>
-                <a:spcPts val="0"/>
-              </a:spcAft>
-              <a:buNone/>
-            </a:pPr>
-            <a:r>
               <a:rPr lang="en" sz="1200">
                 <a:latin typeface="Montserrat"/>
                 <a:ea typeface="Montserrat"/>
@@ -39253,6 +39233,32 @@
               <a:t>CC-by-sa 4.0 international</a:t>
             </a:r>
             <a:endParaRPr b="1" sz="1200">
+              <a:latin typeface="Montserrat"/>
+              <a:ea typeface="Montserrat"/>
+              <a:cs typeface="Montserrat"/>
+              <a:sym typeface="Montserrat"/>
+            </a:endParaRPr>
+          </a:p>
+          <a:p>
+            <a:pPr indent="0" lvl="0" marL="0" rtl="0" algn="l">
+              <a:spcBef>
+                <a:spcPts val="0"/>
+              </a:spcBef>
+              <a:spcAft>
+                <a:spcPts val="0"/>
+              </a:spcAft>
+              <a:buNone/>
+            </a:pPr>
+            <a:r>
+              <a:rPr lang="en" sz="1200">
+                <a:latin typeface="Montserrat"/>
+                <a:ea typeface="Montserrat"/>
+                <a:cs typeface="Montserrat"/>
+                <a:sym typeface="Montserrat"/>
+              </a:rPr>
+              <a:t>Original template available at: github.com/PrestaShop/open-source/tree/master/templates</a:t>
+            </a:r>
+            <a:endParaRPr sz="1200">
               <a:latin typeface="Montserrat"/>
               <a:ea typeface="Montserrat"/>
               <a:cs typeface="Montserrat"/>
@@ -44270,9 +44276,9 @@
 </file>
 
 <file path=ppt/theme/theme1.xml><?xml version="1.0" encoding="utf-8"?>
-<a:theme xmlns:a="http://schemas.openxmlformats.org/drawingml/2006/main" xmlns:r="http://schemas.openxmlformats.org/officeDocument/2006/relationships">
+<a:theme xmlns:a="http://schemas.openxmlformats.org/drawingml/2006/main" xmlns:r="http://schemas.openxmlformats.org/officeDocument/2006/relationships" name="Simple Light">
   <a:themeElements>
-    <a:clrScheme name="Default">
+    <a:clrScheme name="Simple Light">
       <a:dk1>
         <a:srgbClr val="000000"/>
       </a:dk1>
@@ -44280,34 +44286,34 @@
         <a:srgbClr val="FFFFFF"/>
       </a:lt1>
       <a:dk2>
-        <a:srgbClr val="158158"/>
+        <a:srgbClr val="595959"/>
       </a:dk2>
       <a:lt2>
-        <a:srgbClr val="F3F3F3"/>
+        <a:srgbClr val="EEEEEE"/>
       </a:lt2>
       <a:accent1>
-        <a:srgbClr val="058DC7"/>
+        <a:srgbClr val="FFAB40"/>
       </a:accent1>
       <a:accent2>
-        <a:srgbClr val="50B432"/>
+        <a:srgbClr val="212121"/>
       </a:accent2>
       <a:accent3>
-        <a:srgbClr val="ED561B"/>
+        <a:srgbClr val="78909C"/>
       </a:accent3>
       <a:accent4>
-        <a:srgbClr val="EDEF00"/>
+        <a:srgbClr val="FFAB40"/>
       </a:accent4>
       <a:accent5>
-        <a:srgbClr val="24CBE5"/>
+        <a:srgbClr val="0097A7"/>
       </a:accent5>
       <a:accent6>
-        <a:srgbClr val="64E572"/>
+        <a:srgbClr val="EEFF41"/>
       </a:accent6>
       <a:hlink>
-        <a:srgbClr val="2200CC"/>
+        <a:srgbClr val="0097A7"/>
       </a:hlink>
       <a:folHlink>
-        <a:srgbClr val="551A8B"/>
+        <a:srgbClr val="0097A7"/>
       </a:folHlink>
     </a:clrScheme>
     <a:fontScheme name="Office">
@@ -44549,9 +44555,9 @@
 </file>
 
 <file path=ppt/theme/theme2.xml><?xml version="1.0" encoding="utf-8"?>
-<a:theme xmlns:a="http://schemas.openxmlformats.org/drawingml/2006/main" xmlns:r="http://schemas.openxmlformats.org/officeDocument/2006/relationships" name="Simple Light">
+<a:theme xmlns:a="http://schemas.openxmlformats.org/drawingml/2006/main" xmlns:r="http://schemas.openxmlformats.org/officeDocument/2006/relationships">
   <a:themeElements>
-    <a:clrScheme name="Simple Light">
+    <a:clrScheme name="Default">
       <a:dk1>
         <a:srgbClr val="000000"/>
       </a:dk1>
@@ -44559,34 +44565,34 @@
         <a:srgbClr val="FFFFFF"/>
       </a:lt1>
       <a:dk2>
-        <a:srgbClr val="595959"/>
+        <a:srgbClr val="158158"/>
       </a:dk2>
       <a:lt2>
-        <a:srgbClr val="EEEEEE"/>
+        <a:srgbClr val="F3F3F3"/>
       </a:lt2>
       <a:accent1>
-        <a:srgbClr val="FFAB40"/>
+        <a:srgbClr val="058DC7"/>
       </a:accent1>
       <a:accent2>
-        <a:srgbClr val="212121"/>
+        <a:srgbClr val="50B432"/>
       </a:accent2>
       <a:accent3>
-        <a:srgbClr val="78909C"/>
+        <a:srgbClr val="ED561B"/>
       </a:accent3>
       <a:accent4>
-        <a:srgbClr val="FFAB40"/>
+        <a:srgbClr val="EDEF00"/>
       </a:accent4>
       <a:accent5>
-        <a:srgbClr val="0097A7"/>
+        <a:srgbClr val="24CBE5"/>
       </a:accent5>
       <a:accent6>
-        <a:srgbClr val="EEFF41"/>
+        <a:srgbClr val="64E572"/>
       </a:accent6>
       <a:hlink>
-        <a:srgbClr val="0097A7"/>
+        <a:srgbClr val="2200CC"/>
       </a:hlink>
       <a:folHlink>
-        <a:srgbClr val="0097A7"/>
+        <a:srgbClr val="551A8B"/>
       </a:folHlink>
     </a:clrScheme>
     <a:fontScheme name="Office">
